--- a/docs/diagrams/ModelComponentClassDiagram.pptx
+++ b/docs/diagrams/ModelComponentClassDiagram.pptx
@@ -208,7 +208,7 @@
           <a:p>
             <a:fld id="{F5CC4B3F-88C1-4FFA-B1B6-F41C21DC6924}" type="datetimeFigureOut">
               <a:rPr lang="en-US" smtClean="0"/>
-              <a:t>6/27/2018</a:t>
+              <a:t>11/11/18</a:t>
             </a:fld>
             <a:endParaRPr lang="en-US"/>
           </a:p>
@@ -654,7 +654,7 @@
           <a:p>
             <a:fld id="{78C97017-6FC3-485B-9764-EAC9E56C1D49}" type="datetimeFigureOut">
               <a:rPr lang="en-US" smtClean="0"/>
-              <a:t>6/27/2018</a:t>
+              <a:t>11/11/18</a:t>
             </a:fld>
             <a:endParaRPr lang="en-US"/>
           </a:p>
@@ -822,7 +822,7 @@
           <a:p>
             <a:fld id="{78C97017-6FC3-485B-9764-EAC9E56C1D49}" type="datetimeFigureOut">
               <a:rPr lang="en-US" smtClean="0"/>
-              <a:t>6/27/2018</a:t>
+              <a:t>11/11/18</a:t>
             </a:fld>
             <a:endParaRPr lang="en-US"/>
           </a:p>
@@ -1000,7 +1000,7 @@
           <a:p>
             <a:fld id="{78C97017-6FC3-485B-9764-EAC9E56C1D49}" type="datetimeFigureOut">
               <a:rPr lang="en-US" smtClean="0"/>
-              <a:t>6/27/2018</a:t>
+              <a:t>11/11/18</a:t>
             </a:fld>
             <a:endParaRPr lang="en-US"/>
           </a:p>
@@ -1168,7 +1168,7 @@
           <a:p>
             <a:fld id="{78C97017-6FC3-485B-9764-EAC9E56C1D49}" type="datetimeFigureOut">
               <a:rPr lang="en-US" smtClean="0"/>
-              <a:t>6/27/2018</a:t>
+              <a:t>11/11/18</a:t>
             </a:fld>
             <a:endParaRPr lang="en-US"/>
           </a:p>
@@ -1413,7 +1413,7 @@
           <a:p>
             <a:fld id="{78C97017-6FC3-485B-9764-EAC9E56C1D49}" type="datetimeFigureOut">
               <a:rPr lang="en-US" smtClean="0"/>
-              <a:t>6/27/2018</a:t>
+              <a:t>11/11/18</a:t>
             </a:fld>
             <a:endParaRPr lang="en-US"/>
           </a:p>
@@ -1698,7 +1698,7 @@
           <a:p>
             <a:fld id="{78C97017-6FC3-485B-9764-EAC9E56C1D49}" type="datetimeFigureOut">
               <a:rPr lang="en-US" smtClean="0"/>
-              <a:t>6/27/2018</a:t>
+              <a:t>11/11/18</a:t>
             </a:fld>
             <a:endParaRPr lang="en-US"/>
           </a:p>
@@ -2117,7 +2117,7 @@
           <a:p>
             <a:fld id="{78C97017-6FC3-485B-9764-EAC9E56C1D49}" type="datetimeFigureOut">
               <a:rPr lang="en-US" smtClean="0"/>
-              <a:t>6/27/2018</a:t>
+              <a:t>11/11/18</a:t>
             </a:fld>
             <a:endParaRPr lang="en-US"/>
           </a:p>
@@ -2234,7 +2234,7 @@
           <a:p>
             <a:fld id="{78C97017-6FC3-485B-9764-EAC9E56C1D49}" type="datetimeFigureOut">
               <a:rPr lang="en-US" smtClean="0"/>
-              <a:t>6/27/2018</a:t>
+              <a:t>11/11/18</a:t>
             </a:fld>
             <a:endParaRPr lang="en-US"/>
           </a:p>
@@ -2329,7 +2329,7 @@
           <a:p>
             <a:fld id="{78C97017-6FC3-485B-9764-EAC9E56C1D49}" type="datetimeFigureOut">
               <a:rPr lang="en-US" smtClean="0"/>
-              <a:t>6/27/2018</a:t>
+              <a:t>11/11/18</a:t>
             </a:fld>
             <a:endParaRPr lang="en-US"/>
           </a:p>
@@ -2604,7 +2604,7 @@
           <a:p>
             <a:fld id="{78C97017-6FC3-485B-9764-EAC9E56C1D49}" type="datetimeFigureOut">
               <a:rPr lang="en-US" smtClean="0"/>
-              <a:t>6/27/2018</a:t>
+              <a:t>11/11/18</a:t>
             </a:fld>
             <a:endParaRPr lang="en-US"/>
           </a:p>
@@ -2856,7 +2856,7 @@
           <a:p>
             <a:fld id="{78C97017-6FC3-485B-9764-EAC9E56C1D49}" type="datetimeFigureOut">
               <a:rPr lang="en-US" smtClean="0"/>
-              <a:t>6/27/2018</a:t>
+              <a:t>11/11/18</a:t>
             </a:fld>
             <a:endParaRPr lang="en-US"/>
           </a:p>
@@ -3067,7 +3067,7 @@
           <a:p>
             <a:fld id="{78C97017-6FC3-485B-9764-EAC9E56C1D49}" type="datetimeFigureOut">
               <a:rPr lang="en-US" smtClean="0"/>
-              <a:t>6/27/2018</a:t>
+              <a:t>11/11/18</a:t>
             </a:fld>
             <a:endParaRPr lang="en-US"/>
           </a:p>
@@ -3450,8 +3450,8 @@
         </p:nvSpPr>
         <p:spPr>
           <a:xfrm>
-            <a:off x="1119865" y="1600200"/>
-            <a:ext cx="7490735" cy="3124200"/>
+            <a:off x="1119865" y="1219200"/>
+            <a:ext cx="7490735" cy="4572000"/>
           </a:xfrm>
           <a:prstGeom prst="roundRect">
             <a:avLst>
@@ -3994,12 +3994,12 @@
           <a:p>
             <a:pPr algn="ctr"/>
             <a:r>
-              <a:rPr lang="en-US" sz="1050" dirty="0" err="1" smtClean="0">
+              <a:rPr lang="en-US" sz="1050" dirty="0" err="1">
                 <a:solidFill>
                   <a:srgbClr val="7030A0"/>
                 </a:solidFill>
               </a:rPr>
-              <a:t>VersionedAddressBook</a:t>
+              <a:t>VersionedSsenisub</a:t>
             </a:r>
             <a:endParaRPr lang="en-SG" sz="1050" dirty="0">
               <a:solidFill>
@@ -4348,8 +4348,8 @@
         </p:nvSpPr>
         <p:spPr>
           <a:xfrm>
-            <a:off x="7712397" y="2564238"/>
-            <a:ext cx="708186" cy="285783"/>
+            <a:off x="7638037" y="1728000"/>
+            <a:ext cx="856906" cy="285783"/>
           </a:xfrm>
           <a:prstGeom prst="rect">
             <a:avLst/>
@@ -4448,13 +4448,15 @@
           <p:cNvPr id="79" name="Elbow Connector 78"/>
           <p:cNvCxnSpPr>
             <a:cxnSpLocks/>
+            <a:stCxn id="78" idx="3"/>
+            <a:endCxn id="76" idx="1"/>
           </p:cNvCxnSpPr>
           <p:nvPr/>
         </p:nvCxnSpPr>
         <p:spPr>
           <a:xfrm flipV="1">
-            <a:off x="7277995" y="2706821"/>
-            <a:ext cx="434402" cy="327761"/>
+            <a:off x="7277995" y="1870892"/>
+            <a:ext cx="360042" cy="1163999"/>
           </a:xfrm>
           <a:prstGeom prst="bentConnector3">
             <a:avLst/>
@@ -4491,8 +4493,8 @@
         </p:nvSpPr>
         <p:spPr>
           <a:xfrm>
-            <a:off x="7712397" y="2887216"/>
-            <a:ext cx="708186" cy="285783"/>
+            <a:off x="7639200" y="2052000"/>
+            <a:ext cx="856906" cy="285783"/>
           </a:xfrm>
           <a:prstGeom prst="rect">
             <a:avLst/>
@@ -4550,8 +4552,8 @@
         </p:nvCxnSpPr>
         <p:spPr>
           <a:xfrm flipV="1">
-            <a:off x="7277995" y="3030108"/>
-            <a:ext cx="434402" cy="4783"/>
+            <a:off x="7277995" y="2194892"/>
+            <a:ext cx="361205" cy="839999"/>
           </a:xfrm>
           <a:prstGeom prst="bentConnector3">
             <a:avLst/>
@@ -4588,8 +4590,8 @@
         </p:nvSpPr>
         <p:spPr>
           <a:xfrm>
-            <a:off x="7712397" y="3210194"/>
-            <a:ext cx="708186" cy="285783"/>
+            <a:off x="7638037" y="2376000"/>
+            <a:ext cx="856906" cy="285783"/>
           </a:xfrm>
           <a:prstGeom prst="rect">
             <a:avLst/>
@@ -4646,9 +4648,9 @@
           <p:nvPr/>
         </p:nvCxnSpPr>
         <p:spPr>
-          <a:xfrm>
-            <a:off x="7277995" y="3034891"/>
-            <a:ext cx="434402" cy="318195"/>
+          <a:xfrm flipV="1">
+            <a:off x="7277995" y="2518892"/>
+            <a:ext cx="360042" cy="515999"/>
           </a:xfrm>
           <a:prstGeom prst="bentConnector3">
             <a:avLst/>
@@ -4685,8 +4687,8 @@
         </p:nvSpPr>
         <p:spPr>
           <a:xfrm>
-            <a:off x="7712397" y="3533171"/>
-            <a:ext cx="708186" cy="285783"/>
+            <a:off x="7636840" y="2700000"/>
+            <a:ext cx="856906" cy="285783"/>
           </a:xfrm>
           <a:prstGeom prst="rect">
             <a:avLst/>
@@ -4743,9 +4745,9 @@
           <p:nvPr/>
         </p:nvCxnSpPr>
         <p:spPr>
-          <a:xfrm>
-            <a:off x="7277995" y="3034891"/>
-            <a:ext cx="434402" cy="641172"/>
+          <a:xfrm flipV="1">
+            <a:off x="7277995" y="2842892"/>
+            <a:ext cx="358845" cy="191999"/>
           </a:xfrm>
           <a:prstGeom prst="bentConnector3">
             <a:avLst/>
@@ -4926,7 +4928,7 @@
                   <a:srgbClr val="7030A0"/>
                 </a:solidFill>
               </a:rPr>
-              <a:t>ReadOnlyAddressBook</a:t>
+              <a:t>ReadOnlySsenisub</a:t>
             </a:r>
             <a:endParaRPr lang="en-SG" sz="1050" dirty="0">
               <a:solidFill>
@@ -5023,14 +5025,6 @@
               </a:rPr>
               <a:t>&lt;&lt;interface&gt;&gt;</a:t>
             </a:r>
-            <a:r>
-              <a:rPr lang="en-US" sz="1050">
-                <a:solidFill>
-                  <a:srgbClr val="7030A0"/>
-                </a:solidFill>
-              </a:rPr>
-              <a:t/>
-            </a:r>
             <a:br>
               <a:rPr lang="en-US" sz="1050">
                 <a:solidFill>
@@ -5305,8 +5299,8 @@
         </p:nvSpPr>
         <p:spPr>
           <a:xfrm>
-            <a:off x="7712397" y="2228817"/>
-            <a:ext cx="708186" cy="285783"/>
+            <a:off x="7638037" y="1404000"/>
+            <a:ext cx="856906" cy="285783"/>
           </a:xfrm>
           <a:prstGeom prst="rect">
             <a:avLst/>
@@ -5371,8 +5365,8 @@
         </p:nvCxnSpPr>
         <p:spPr>
           <a:xfrm flipV="1">
-            <a:off x="7277995" y="2371709"/>
-            <a:ext cx="434402" cy="663182"/>
+            <a:off x="7277995" y="1546892"/>
+            <a:ext cx="360042" cy="1487999"/>
           </a:xfrm>
           <a:prstGeom prst="bentConnector3">
             <a:avLst>
@@ -5417,7 +5411,7 @@
         </p:nvSpPr>
         <p:spPr>
           <a:xfrm>
-            <a:off x="7466243" y="2255711"/>
+            <a:off x="7391400" y="1421517"/>
             <a:ext cx="189257" cy="178683"/>
           </a:xfrm>
           <a:prstGeom prst="rect">
@@ -5494,7 +5488,7 @@
                   <a:srgbClr val="7030A0"/>
                 </a:solidFill>
               </a:rPr>
-              <a:t>AddressBook</a:t>
+              <a:t>Ssenisub</a:t>
             </a:r>
             <a:endParaRPr lang="en-SG" sz="1050" dirty="0">
               <a:solidFill>
@@ -5623,6 +5617,862 @@
             <a:prstDash val="sysDot"/>
             <a:headEnd type="none" w="med" len="med"/>
             <a:tailEnd type="none" w="med" len="med"/>
+          </a:ln>
+          <a:effectLst/>
+        </p:spPr>
+        <p:style>
+          <a:lnRef idx="1">
+            <a:schemeClr val="accent2"/>
+          </a:lnRef>
+          <a:fillRef idx="2">
+            <a:schemeClr val="accent2"/>
+          </a:fillRef>
+          <a:effectRef idx="1">
+            <a:schemeClr val="accent2"/>
+          </a:effectRef>
+          <a:fontRef idx="minor">
+            <a:schemeClr val="dk1"/>
+          </a:fontRef>
+        </p:style>
+      </p:cxnSp>
+      <p:sp>
+        <p:nvSpPr>
+          <p:cNvPr id="56" name="Rectangle 8">
+            <a:extLst>
+              <a:ext uri="{FF2B5EF4-FFF2-40B4-BE49-F238E27FC236}">
+                <a16:creationId xmlns:a16="http://schemas.microsoft.com/office/drawing/2014/main" id="{D2D4568F-FE35-F041-A7ED-77EBD3CAB804}"/>
+              </a:ext>
+            </a:extLst>
+          </p:cNvPr>
+          <p:cNvSpPr/>
+          <p:nvPr/>
+        </p:nvSpPr>
+        <p:spPr>
+          <a:xfrm>
+            <a:off x="7636840" y="3024000"/>
+            <a:ext cx="856906" cy="285783"/>
+          </a:xfrm>
+          <a:prstGeom prst="rect">
+            <a:avLst/>
+          </a:prstGeom>
+          <a:ln w="19050">
+            <a:solidFill>
+              <a:srgbClr val="7030A0"/>
+            </a:solidFill>
+          </a:ln>
+          <a:effectLst/>
+        </p:spPr>
+        <p:style>
+          <a:lnRef idx="1">
+            <a:schemeClr val="accent4"/>
+          </a:lnRef>
+          <a:fillRef idx="2">
+            <a:schemeClr val="accent4"/>
+          </a:fillRef>
+          <a:effectRef idx="1">
+            <a:schemeClr val="accent4"/>
+          </a:effectRef>
+          <a:fontRef idx="minor">
+            <a:schemeClr val="dk1"/>
+          </a:fontRef>
+        </p:style>
+        <p:txBody>
+          <a:bodyPr rtlCol="0" anchor="ctr"/>
+          <a:lstStyle/>
+          <a:p>
+            <a:pPr algn="ctr"/>
+            <a:r>
+              <a:rPr lang="en-SG" sz="1050" dirty="0">
+                <a:solidFill>
+                  <a:srgbClr val="7030A0"/>
+                </a:solidFill>
+              </a:rPr>
+              <a:t>Department</a:t>
+            </a:r>
+          </a:p>
+        </p:txBody>
+      </p:sp>
+      <p:cxnSp>
+        <p:nvCxnSpPr>
+          <p:cNvPr id="57" name="Elbow Connector 56">
+            <a:extLst>
+              <a:ext uri="{FF2B5EF4-FFF2-40B4-BE49-F238E27FC236}">
+                <a16:creationId xmlns:a16="http://schemas.microsoft.com/office/drawing/2014/main" id="{2B3DC2F4-FA5D-D244-8939-2D1FCED7E186}"/>
+              </a:ext>
+            </a:extLst>
+          </p:cNvPr>
+          <p:cNvCxnSpPr>
+            <a:cxnSpLocks/>
+            <a:stCxn id="78" idx="3"/>
+            <a:endCxn id="56" idx="1"/>
+          </p:cNvCxnSpPr>
+          <p:nvPr/>
+        </p:nvCxnSpPr>
+        <p:spPr>
+          <a:xfrm>
+            <a:off x="7277995" y="3034891"/>
+            <a:ext cx="358845" cy="132001"/>
+          </a:xfrm>
+          <a:prstGeom prst="bentConnector3">
+            <a:avLst>
+              <a:gd name="adj1" fmla="val 50000"/>
+            </a:avLst>
+          </a:prstGeom>
+          <a:ln w="19050">
+            <a:solidFill>
+              <a:srgbClr val="7030A0"/>
+            </a:solidFill>
+            <a:headEnd type="none" w="med" len="med"/>
+            <a:tailEnd type="arrow" w="med" len="med"/>
+          </a:ln>
+          <a:effectLst/>
+        </p:spPr>
+        <p:style>
+          <a:lnRef idx="1">
+            <a:schemeClr val="accent2"/>
+          </a:lnRef>
+          <a:fillRef idx="2">
+            <a:schemeClr val="accent2"/>
+          </a:fillRef>
+          <a:effectRef idx="1">
+            <a:schemeClr val="accent2"/>
+          </a:effectRef>
+          <a:fontRef idx="minor">
+            <a:schemeClr val="dk1"/>
+          </a:fontRef>
+        </p:style>
+      </p:cxnSp>
+      <p:sp>
+        <p:nvSpPr>
+          <p:cNvPr id="59" name="Rectangle 8">
+            <a:extLst>
+              <a:ext uri="{FF2B5EF4-FFF2-40B4-BE49-F238E27FC236}">
+                <a16:creationId xmlns:a16="http://schemas.microsoft.com/office/drawing/2014/main" id="{012F45F0-6825-6247-B10B-1E32A78EE034}"/>
+              </a:ext>
+            </a:extLst>
+          </p:cNvPr>
+          <p:cNvSpPr/>
+          <p:nvPr/>
+        </p:nvSpPr>
+        <p:spPr>
+          <a:xfrm>
+            <a:off x="7635600" y="3348000"/>
+            <a:ext cx="856906" cy="284400"/>
+          </a:xfrm>
+          <a:prstGeom prst="rect">
+            <a:avLst/>
+          </a:prstGeom>
+          <a:ln w="19050">
+            <a:solidFill>
+              <a:srgbClr val="7030A0"/>
+            </a:solidFill>
+          </a:ln>
+          <a:effectLst/>
+        </p:spPr>
+        <p:style>
+          <a:lnRef idx="1">
+            <a:schemeClr val="accent4"/>
+          </a:lnRef>
+          <a:fillRef idx="2">
+            <a:schemeClr val="accent4"/>
+          </a:fillRef>
+          <a:effectRef idx="1">
+            <a:schemeClr val="accent4"/>
+          </a:effectRef>
+          <a:fontRef idx="minor">
+            <a:schemeClr val="dk1"/>
+          </a:fontRef>
+        </p:style>
+        <p:txBody>
+          <a:bodyPr rtlCol="0" anchor="ctr"/>
+          <a:lstStyle/>
+          <a:p>
+            <a:pPr algn="ctr"/>
+            <a:r>
+              <a:rPr lang="en-SG" sz="1050" dirty="0">
+                <a:solidFill>
+                  <a:srgbClr val="7030A0"/>
+                </a:solidFill>
+              </a:rPr>
+              <a:t>Manager</a:t>
+            </a:r>
+          </a:p>
+        </p:txBody>
+      </p:sp>
+      <p:cxnSp>
+        <p:nvCxnSpPr>
+          <p:cNvPr id="67" name="Elbow Connector 66">
+            <a:extLst>
+              <a:ext uri="{FF2B5EF4-FFF2-40B4-BE49-F238E27FC236}">
+                <a16:creationId xmlns:a16="http://schemas.microsoft.com/office/drawing/2014/main" id="{408E8751-93A4-2544-A9BE-5882FDD73334}"/>
+              </a:ext>
+            </a:extLst>
+          </p:cNvPr>
+          <p:cNvCxnSpPr>
+            <a:cxnSpLocks/>
+            <a:stCxn id="78" idx="3"/>
+            <a:endCxn id="59" idx="1"/>
+          </p:cNvCxnSpPr>
+          <p:nvPr/>
+        </p:nvCxnSpPr>
+        <p:spPr>
+          <a:xfrm>
+            <a:off x="7277995" y="3034891"/>
+            <a:ext cx="357605" cy="455309"/>
+          </a:xfrm>
+          <a:prstGeom prst="bentConnector3">
+            <a:avLst>
+              <a:gd name="adj1" fmla="val 50000"/>
+            </a:avLst>
+          </a:prstGeom>
+          <a:ln w="19050">
+            <a:solidFill>
+              <a:srgbClr val="7030A0"/>
+            </a:solidFill>
+            <a:headEnd type="none" w="med" len="med"/>
+            <a:tailEnd type="arrow" w="med" len="med"/>
+          </a:ln>
+          <a:effectLst/>
+        </p:spPr>
+        <p:style>
+          <a:lnRef idx="1">
+            <a:schemeClr val="accent2"/>
+          </a:lnRef>
+          <a:fillRef idx="2">
+            <a:schemeClr val="accent2"/>
+          </a:fillRef>
+          <a:effectRef idx="1">
+            <a:schemeClr val="accent2"/>
+          </a:effectRef>
+          <a:fontRef idx="minor">
+            <a:schemeClr val="dk1"/>
+          </a:fontRef>
+        </p:style>
+      </p:cxnSp>
+      <p:sp>
+        <p:nvSpPr>
+          <p:cNvPr id="71" name="Rectangle 8">
+            <a:extLst>
+              <a:ext uri="{FF2B5EF4-FFF2-40B4-BE49-F238E27FC236}">
+                <a16:creationId xmlns:a16="http://schemas.microsoft.com/office/drawing/2014/main" id="{ED616D8A-5A7B-1C48-8923-254C5F96B510}"/>
+              </a:ext>
+            </a:extLst>
+          </p:cNvPr>
+          <p:cNvSpPr/>
+          <p:nvPr/>
+        </p:nvSpPr>
+        <p:spPr>
+          <a:xfrm>
+            <a:off x="7635600" y="3672000"/>
+            <a:ext cx="856906" cy="284400"/>
+          </a:xfrm>
+          <a:prstGeom prst="rect">
+            <a:avLst/>
+          </a:prstGeom>
+          <a:ln w="19050">
+            <a:solidFill>
+              <a:srgbClr val="7030A0"/>
+            </a:solidFill>
+          </a:ln>
+          <a:effectLst/>
+        </p:spPr>
+        <p:style>
+          <a:lnRef idx="1">
+            <a:schemeClr val="accent4"/>
+          </a:lnRef>
+          <a:fillRef idx="2">
+            <a:schemeClr val="accent4"/>
+          </a:fillRef>
+          <a:effectRef idx="1">
+            <a:schemeClr val="accent4"/>
+          </a:effectRef>
+          <a:fontRef idx="minor">
+            <a:schemeClr val="dk1"/>
+          </a:fontRef>
+        </p:style>
+        <p:txBody>
+          <a:bodyPr rtlCol="0" anchor="ctr"/>
+          <a:lstStyle/>
+          <a:p>
+            <a:pPr algn="ctr"/>
+            <a:r>
+              <a:rPr lang="en-SG" sz="1050" dirty="0">
+                <a:solidFill>
+                  <a:srgbClr val="7030A0"/>
+                </a:solidFill>
+              </a:rPr>
+              <a:t>Salary</a:t>
+            </a:r>
+          </a:p>
+        </p:txBody>
+      </p:sp>
+      <p:cxnSp>
+        <p:nvCxnSpPr>
+          <p:cNvPr id="72" name="Elbow Connector 71">
+            <a:extLst>
+              <a:ext uri="{FF2B5EF4-FFF2-40B4-BE49-F238E27FC236}">
+                <a16:creationId xmlns:a16="http://schemas.microsoft.com/office/drawing/2014/main" id="{C02FDCFF-16EB-1242-A46F-D8BE0F1C1062}"/>
+              </a:ext>
+            </a:extLst>
+          </p:cNvPr>
+          <p:cNvCxnSpPr>
+            <a:cxnSpLocks/>
+            <a:stCxn id="78" idx="3"/>
+            <a:endCxn id="71" idx="1"/>
+          </p:cNvCxnSpPr>
+          <p:nvPr/>
+        </p:nvCxnSpPr>
+        <p:spPr>
+          <a:xfrm>
+            <a:off x="7277995" y="3034891"/>
+            <a:ext cx="357605" cy="779309"/>
+          </a:xfrm>
+          <a:prstGeom prst="bentConnector3">
+            <a:avLst>
+              <a:gd name="adj1" fmla="val 50000"/>
+            </a:avLst>
+          </a:prstGeom>
+          <a:ln w="19050">
+            <a:solidFill>
+              <a:srgbClr val="7030A0"/>
+            </a:solidFill>
+            <a:headEnd type="none" w="med" len="med"/>
+            <a:tailEnd type="arrow" w="med" len="med"/>
+          </a:ln>
+          <a:effectLst/>
+        </p:spPr>
+        <p:style>
+          <a:lnRef idx="1">
+            <a:schemeClr val="accent2"/>
+          </a:lnRef>
+          <a:fillRef idx="2">
+            <a:schemeClr val="accent2"/>
+          </a:fillRef>
+          <a:effectRef idx="1">
+            <a:schemeClr val="accent2"/>
+          </a:effectRef>
+          <a:fontRef idx="minor">
+            <a:schemeClr val="dk1"/>
+          </a:fontRef>
+        </p:style>
+      </p:cxnSp>
+      <p:sp>
+        <p:nvSpPr>
+          <p:cNvPr id="73" name="Rectangle 8">
+            <a:extLst>
+              <a:ext uri="{FF2B5EF4-FFF2-40B4-BE49-F238E27FC236}">
+                <a16:creationId xmlns:a16="http://schemas.microsoft.com/office/drawing/2014/main" id="{B4051730-91EB-DE41-BAFA-34B1B4E9F926}"/>
+              </a:ext>
+            </a:extLst>
+          </p:cNvPr>
+          <p:cNvSpPr/>
+          <p:nvPr/>
+        </p:nvSpPr>
+        <p:spPr>
+          <a:xfrm>
+            <a:off x="7635600" y="3996000"/>
+            <a:ext cx="856906" cy="284400"/>
+          </a:xfrm>
+          <a:prstGeom prst="rect">
+            <a:avLst/>
+          </a:prstGeom>
+          <a:ln w="19050">
+            <a:solidFill>
+              <a:srgbClr val="7030A0"/>
+            </a:solidFill>
+          </a:ln>
+          <a:effectLst/>
+        </p:spPr>
+        <p:style>
+          <a:lnRef idx="1">
+            <a:schemeClr val="accent4"/>
+          </a:lnRef>
+          <a:fillRef idx="2">
+            <a:schemeClr val="accent4"/>
+          </a:fillRef>
+          <a:effectRef idx="1">
+            <a:schemeClr val="accent4"/>
+          </a:effectRef>
+          <a:fontRef idx="minor">
+            <a:schemeClr val="dk1"/>
+          </a:fontRef>
+        </p:style>
+        <p:txBody>
+          <a:bodyPr rtlCol="0" anchor="ctr"/>
+          <a:lstStyle/>
+          <a:p>
+            <a:pPr algn="ctr"/>
+            <a:r>
+              <a:rPr lang="en-SG" sz="1050" dirty="0">
+                <a:solidFill>
+                  <a:srgbClr val="7030A0"/>
+                </a:solidFill>
+              </a:rPr>
+              <a:t>OT Rate</a:t>
+            </a:r>
+          </a:p>
+        </p:txBody>
+      </p:sp>
+      <p:cxnSp>
+        <p:nvCxnSpPr>
+          <p:cNvPr id="74" name="Elbow Connector 73">
+            <a:extLst>
+              <a:ext uri="{FF2B5EF4-FFF2-40B4-BE49-F238E27FC236}">
+                <a16:creationId xmlns:a16="http://schemas.microsoft.com/office/drawing/2014/main" id="{BC02EAB5-C4F0-D149-87F3-90364485FCBD}"/>
+              </a:ext>
+            </a:extLst>
+          </p:cNvPr>
+          <p:cNvCxnSpPr>
+            <a:cxnSpLocks/>
+            <a:stCxn id="78" idx="3"/>
+            <a:endCxn id="73" idx="1"/>
+          </p:cNvCxnSpPr>
+          <p:nvPr/>
+        </p:nvCxnSpPr>
+        <p:spPr>
+          <a:xfrm>
+            <a:off x="7277995" y="3034891"/>
+            <a:ext cx="357605" cy="1103309"/>
+          </a:xfrm>
+          <a:prstGeom prst="bentConnector3">
+            <a:avLst>
+              <a:gd name="adj1" fmla="val 50000"/>
+            </a:avLst>
+          </a:prstGeom>
+          <a:ln w="19050">
+            <a:solidFill>
+              <a:srgbClr val="7030A0"/>
+            </a:solidFill>
+            <a:headEnd type="none" w="med" len="med"/>
+            <a:tailEnd type="arrow" w="med" len="med"/>
+          </a:ln>
+          <a:effectLst/>
+        </p:spPr>
+        <p:style>
+          <a:lnRef idx="1">
+            <a:schemeClr val="accent2"/>
+          </a:lnRef>
+          <a:fillRef idx="2">
+            <a:schemeClr val="accent2"/>
+          </a:fillRef>
+          <a:effectRef idx="1">
+            <a:schemeClr val="accent2"/>
+          </a:effectRef>
+          <a:fontRef idx="minor">
+            <a:schemeClr val="dk1"/>
+          </a:fontRef>
+        </p:style>
+      </p:cxnSp>
+      <p:sp>
+        <p:nvSpPr>
+          <p:cNvPr id="77" name="Rectangle 8">
+            <a:extLst>
+              <a:ext uri="{FF2B5EF4-FFF2-40B4-BE49-F238E27FC236}">
+                <a16:creationId xmlns:a16="http://schemas.microsoft.com/office/drawing/2014/main" id="{DC546ABC-E61D-BF43-B5D5-3A70B57D2A2D}"/>
+              </a:ext>
+            </a:extLst>
+          </p:cNvPr>
+          <p:cNvSpPr/>
+          <p:nvPr/>
+        </p:nvSpPr>
+        <p:spPr>
+          <a:xfrm>
+            <a:off x="7635600" y="4320000"/>
+            <a:ext cx="856906" cy="284400"/>
+          </a:xfrm>
+          <a:prstGeom prst="rect">
+            <a:avLst/>
+          </a:prstGeom>
+          <a:ln w="19050">
+            <a:solidFill>
+              <a:srgbClr val="7030A0"/>
+            </a:solidFill>
+          </a:ln>
+          <a:effectLst/>
+        </p:spPr>
+        <p:style>
+          <a:lnRef idx="1">
+            <a:schemeClr val="accent4"/>
+          </a:lnRef>
+          <a:fillRef idx="2">
+            <a:schemeClr val="accent4"/>
+          </a:fillRef>
+          <a:effectRef idx="1">
+            <a:schemeClr val="accent4"/>
+          </a:effectRef>
+          <a:fontRef idx="minor">
+            <a:schemeClr val="dk1"/>
+          </a:fontRef>
+        </p:style>
+        <p:txBody>
+          <a:bodyPr rtlCol="0" anchor="ctr"/>
+          <a:lstStyle/>
+          <a:p>
+            <a:pPr algn="ctr"/>
+            <a:r>
+              <a:rPr lang="en-SG" sz="1050" dirty="0">
+                <a:solidFill>
+                  <a:srgbClr val="7030A0"/>
+                </a:solidFill>
+              </a:rPr>
+              <a:t>OT Hour</a:t>
+            </a:r>
+          </a:p>
+        </p:txBody>
+      </p:sp>
+      <p:cxnSp>
+        <p:nvCxnSpPr>
+          <p:cNvPr id="82" name="Elbow Connector 81">
+            <a:extLst>
+              <a:ext uri="{FF2B5EF4-FFF2-40B4-BE49-F238E27FC236}">
+                <a16:creationId xmlns:a16="http://schemas.microsoft.com/office/drawing/2014/main" id="{885897BC-4883-6C42-9558-BFB6B73900E4}"/>
+              </a:ext>
+            </a:extLst>
+          </p:cNvPr>
+          <p:cNvCxnSpPr>
+            <a:cxnSpLocks/>
+            <a:stCxn id="78" idx="3"/>
+            <a:endCxn id="77" idx="1"/>
+          </p:cNvCxnSpPr>
+          <p:nvPr/>
+        </p:nvCxnSpPr>
+        <p:spPr>
+          <a:xfrm>
+            <a:off x="7277995" y="3034891"/>
+            <a:ext cx="357605" cy="1427309"/>
+          </a:xfrm>
+          <a:prstGeom prst="bentConnector3">
+            <a:avLst>
+              <a:gd name="adj1" fmla="val 50000"/>
+            </a:avLst>
+          </a:prstGeom>
+          <a:ln w="19050">
+            <a:solidFill>
+              <a:srgbClr val="7030A0"/>
+            </a:solidFill>
+            <a:headEnd type="none" w="med" len="med"/>
+            <a:tailEnd type="arrow" w="med" len="med"/>
+          </a:ln>
+          <a:effectLst/>
+        </p:spPr>
+        <p:style>
+          <a:lnRef idx="1">
+            <a:schemeClr val="accent2"/>
+          </a:lnRef>
+          <a:fillRef idx="2">
+            <a:schemeClr val="accent2"/>
+          </a:fillRef>
+          <a:effectRef idx="1">
+            <a:schemeClr val="accent2"/>
+          </a:effectRef>
+          <a:fontRef idx="minor">
+            <a:schemeClr val="dk1"/>
+          </a:fontRef>
+        </p:style>
+      </p:cxnSp>
+      <p:sp>
+        <p:nvSpPr>
+          <p:cNvPr id="87" name="Rectangle 8">
+            <a:extLst>
+              <a:ext uri="{FF2B5EF4-FFF2-40B4-BE49-F238E27FC236}">
+                <a16:creationId xmlns:a16="http://schemas.microsoft.com/office/drawing/2014/main" id="{9B566F90-2ADA-E143-AB54-DC21050A27AD}"/>
+              </a:ext>
+            </a:extLst>
+          </p:cNvPr>
+          <p:cNvSpPr/>
+          <p:nvPr/>
+        </p:nvSpPr>
+        <p:spPr>
+          <a:xfrm>
+            <a:off x="7635600" y="4644000"/>
+            <a:ext cx="856906" cy="284400"/>
+          </a:xfrm>
+          <a:prstGeom prst="rect">
+            <a:avLst/>
+          </a:prstGeom>
+          <a:ln w="19050">
+            <a:solidFill>
+              <a:srgbClr val="7030A0"/>
+            </a:solidFill>
+          </a:ln>
+          <a:effectLst/>
+        </p:spPr>
+        <p:style>
+          <a:lnRef idx="1">
+            <a:schemeClr val="accent4"/>
+          </a:lnRef>
+          <a:fillRef idx="2">
+            <a:schemeClr val="accent4"/>
+          </a:fillRef>
+          <a:effectRef idx="1">
+            <a:schemeClr val="accent4"/>
+          </a:effectRef>
+          <a:fontRef idx="minor">
+            <a:schemeClr val="dk1"/>
+          </a:fontRef>
+        </p:style>
+        <p:txBody>
+          <a:bodyPr rtlCol="0" anchor="ctr"/>
+          <a:lstStyle/>
+          <a:p>
+            <a:pPr algn="ctr"/>
+            <a:r>
+              <a:rPr lang="en-SG" sz="1050" dirty="0">
+                <a:solidFill>
+                  <a:srgbClr val="7030A0"/>
+                </a:solidFill>
+              </a:rPr>
+              <a:t>Deductibles</a:t>
+            </a:r>
+          </a:p>
+        </p:txBody>
+      </p:sp>
+      <p:cxnSp>
+        <p:nvCxnSpPr>
+          <p:cNvPr id="88" name="Elbow Connector 87">
+            <a:extLst>
+              <a:ext uri="{FF2B5EF4-FFF2-40B4-BE49-F238E27FC236}">
+                <a16:creationId xmlns:a16="http://schemas.microsoft.com/office/drawing/2014/main" id="{15894AFD-F5FF-7647-8F86-B1D8E2141CCF}"/>
+              </a:ext>
+            </a:extLst>
+          </p:cNvPr>
+          <p:cNvCxnSpPr>
+            <a:cxnSpLocks/>
+            <a:stCxn id="78" idx="3"/>
+            <a:endCxn id="87" idx="1"/>
+          </p:cNvCxnSpPr>
+          <p:nvPr/>
+        </p:nvCxnSpPr>
+        <p:spPr>
+          <a:xfrm>
+            <a:off x="7277995" y="3034891"/>
+            <a:ext cx="357605" cy="1751309"/>
+          </a:xfrm>
+          <a:prstGeom prst="bentConnector3">
+            <a:avLst>
+              <a:gd name="adj1" fmla="val 50000"/>
+            </a:avLst>
+          </a:prstGeom>
+          <a:ln w="19050">
+            <a:solidFill>
+              <a:srgbClr val="7030A0"/>
+            </a:solidFill>
+            <a:headEnd type="none" w="med" len="med"/>
+            <a:tailEnd type="arrow" w="med" len="med"/>
+          </a:ln>
+          <a:effectLst/>
+        </p:spPr>
+        <p:style>
+          <a:lnRef idx="1">
+            <a:schemeClr val="accent2"/>
+          </a:lnRef>
+          <a:fillRef idx="2">
+            <a:schemeClr val="accent2"/>
+          </a:fillRef>
+          <a:effectRef idx="1">
+            <a:schemeClr val="accent2"/>
+          </a:effectRef>
+          <a:fontRef idx="minor">
+            <a:schemeClr val="dk1"/>
+          </a:fontRef>
+        </p:style>
+      </p:cxnSp>
+      <p:sp>
+        <p:nvSpPr>
+          <p:cNvPr id="89" name="Rectangle 8">
+            <a:extLst>
+              <a:ext uri="{FF2B5EF4-FFF2-40B4-BE49-F238E27FC236}">
+                <a16:creationId xmlns:a16="http://schemas.microsoft.com/office/drawing/2014/main" id="{58B3C819-E37E-8B41-9072-BFEFDE3E407B}"/>
+              </a:ext>
+            </a:extLst>
+          </p:cNvPr>
+          <p:cNvSpPr/>
+          <p:nvPr/>
+        </p:nvSpPr>
+        <p:spPr>
+          <a:xfrm>
+            <a:off x="7635600" y="4968000"/>
+            <a:ext cx="856906" cy="284400"/>
+          </a:xfrm>
+          <a:prstGeom prst="rect">
+            <a:avLst/>
+          </a:prstGeom>
+          <a:ln w="19050">
+            <a:solidFill>
+              <a:srgbClr val="7030A0"/>
+            </a:solidFill>
+          </a:ln>
+          <a:effectLst/>
+        </p:spPr>
+        <p:style>
+          <a:lnRef idx="1">
+            <a:schemeClr val="accent4"/>
+          </a:lnRef>
+          <a:fillRef idx="2">
+            <a:schemeClr val="accent4"/>
+          </a:fillRef>
+          <a:effectRef idx="1">
+            <a:schemeClr val="accent4"/>
+          </a:effectRef>
+          <a:fontRef idx="minor">
+            <a:schemeClr val="dk1"/>
+          </a:fontRef>
+        </p:style>
+        <p:txBody>
+          <a:bodyPr rtlCol="0" anchor="ctr"/>
+          <a:lstStyle/>
+          <a:p>
+            <a:pPr algn="ctr"/>
+            <a:r>
+              <a:rPr lang="en-SG" sz="1050" dirty="0">
+                <a:solidFill>
+                  <a:srgbClr val="7030A0"/>
+                </a:solidFill>
+              </a:rPr>
+              <a:t>Rating</a:t>
+            </a:r>
+          </a:p>
+        </p:txBody>
+      </p:sp>
+      <p:cxnSp>
+        <p:nvCxnSpPr>
+          <p:cNvPr id="90" name="Elbow Connector 89">
+            <a:extLst>
+              <a:ext uri="{FF2B5EF4-FFF2-40B4-BE49-F238E27FC236}">
+                <a16:creationId xmlns:a16="http://schemas.microsoft.com/office/drawing/2014/main" id="{31E544AC-4A3E-8647-A2DA-5679BCAF0B67}"/>
+              </a:ext>
+            </a:extLst>
+          </p:cNvPr>
+          <p:cNvCxnSpPr>
+            <a:cxnSpLocks/>
+            <a:stCxn id="78" idx="3"/>
+            <a:endCxn id="89" idx="1"/>
+          </p:cNvCxnSpPr>
+          <p:nvPr/>
+        </p:nvCxnSpPr>
+        <p:spPr>
+          <a:xfrm>
+            <a:off x="7277995" y="3034891"/>
+            <a:ext cx="357605" cy="2075309"/>
+          </a:xfrm>
+          <a:prstGeom prst="bentConnector3">
+            <a:avLst>
+              <a:gd name="adj1" fmla="val 50000"/>
+            </a:avLst>
+          </a:prstGeom>
+          <a:ln w="19050">
+            <a:solidFill>
+              <a:srgbClr val="7030A0"/>
+            </a:solidFill>
+            <a:headEnd type="none" w="med" len="med"/>
+            <a:tailEnd type="arrow" w="med" len="med"/>
+          </a:ln>
+          <a:effectLst/>
+        </p:spPr>
+        <p:style>
+          <a:lnRef idx="1">
+            <a:schemeClr val="accent2"/>
+          </a:lnRef>
+          <a:fillRef idx="2">
+            <a:schemeClr val="accent2"/>
+          </a:fillRef>
+          <a:effectRef idx="1">
+            <a:schemeClr val="accent2"/>
+          </a:effectRef>
+          <a:fontRef idx="minor">
+            <a:schemeClr val="dk1"/>
+          </a:fontRef>
+        </p:style>
+      </p:cxnSp>
+      <p:sp>
+        <p:nvSpPr>
+          <p:cNvPr id="91" name="Rectangle 8">
+            <a:extLst>
+              <a:ext uri="{FF2B5EF4-FFF2-40B4-BE49-F238E27FC236}">
+                <a16:creationId xmlns:a16="http://schemas.microsoft.com/office/drawing/2014/main" id="{E98FC23D-A225-5248-BC29-B1492474D909}"/>
+              </a:ext>
+            </a:extLst>
+          </p:cNvPr>
+          <p:cNvSpPr/>
+          <p:nvPr/>
+        </p:nvSpPr>
+        <p:spPr>
+          <a:xfrm>
+            <a:off x="7635600" y="5292000"/>
+            <a:ext cx="856906" cy="284400"/>
+          </a:xfrm>
+          <a:prstGeom prst="rect">
+            <a:avLst/>
+          </a:prstGeom>
+          <a:ln w="19050">
+            <a:solidFill>
+              <a:srgbClr val="7030A0"/>
+            </a:solidFill>
+          </a:ln>
+          <a:effectLst/>
+        </p:spPr>
+        <p:style>
+          <a:lnRef idx="1">
+            <a:schemeClr val="accent4"/>
+          </a:lnRef>
+          <a:fillRef idx="2">
+            <a:schemeClr val="accent4"/>
+          </a:fillRef>
+          <a:effectRef idx="1">
+            <a:schemeClr val="accent4"/>
+          </a:effectRef>
+          <a:fontRef idx="minor">
+            <a:schemeClr val="dk1"/>
+          </a:fontRef>
+        </p:style>
+        <p:txBody>
+          <a:bodyPr rtlCol="0" anchor="ctr"/>
+          <a:lstStyle/>
+          <a:p>
+            <a:pPr algn="ctr"/>
+            <a:r>
+              <a:rPr lang="en-SG" sz="1050" dirty="0">
+                <a:solidFill>
+                  <a:srgbClr val="7030A0"/>
+                </a:solidFill>
+              </a:rPr>
+              <a:t>Feedback</a:t>
+            </a:r>
+          </a:p>
+        </p:txBody>
+      </p:sp>
+      <p:cxnSp>
+        <p:nvCxnSpPr>
+          <p:cNvPr id="92" name="Elbow Connector 91">
+            <a:extLst>
+              <a:ext uri="{FF2B5EF4-FFF2-40B4-BE49-F238E27FC236}">
+                <a16:creationId xmlns:a16="http://schemas.microsoft.com/office/drawing/2014/main" id="{A8AAC59F-54DA-3144-BA3F-F6D29A87B943}"/>
+              </a:ext>
+            </a:extLst>
+          </p:cNvPr>
+          <p:cNvCxnSpPr>
+            <a:cxnSpLocks/>
+            <a:stCxn id="78" idx="3"/>
+            <a:endCxn id="91" idx="1"/>
+          </p:cNvCxnSpPr>
+          <p:nvPr/>
+        </p:nvCxnSpPr>
+        <p:spPr>
+          <a:xfrm>
+            <a:off x="7277995" y="3034891"/>
+            <a:ext cx="357605" cy="2399309"/>
+          </a:xfrm>
+          <a:prstGeom prst="bentConnector3">
+            <a:avLst>
+              <a:gd name="adj1" fmla="val 50000"/>
+            </a:avLst>
+          </a:prstGeom>
+          <a:ln w="19050">
+            <a:solidFill>
+              <a:srgbClr val="7030A0"/>
+            </a:solidFill>
+            <a:headEnd type="none" w="med" len="med"/>
+            <a:tailEnd type="arrow" w="med" len="med"/>
           </a:ln>
           <a:effectLst/>
         </p:spPr>
